--- a/PPT/DeepLearning20-NaturalLanguage.pptx
+++ b/PPT/DeepLearning20-NaturalLanguage.pptx
@@ -4353,7 +4353,7 @@
             </a:r>
             <a:r>
               <a:rPr lang="fr-FR" dirty="0" err="1"/>
-              <a:t>GhatGPT</a:t>
+              <a:t>ChatGPT</a:t>
             </a:r>
             <a:endParaRPr lang="fr-FR" dirty="0"/>
           </a:p>
